--- a/base/static/imgs/logo.pptx
+++ b/base/static/imgs/logo.pptx
@@ -6,6 +6,7 @@
   </p:sldMasterIdLst>
   <p:sldIdLst>
     <p:sldId id="256" r:id="rId2"/>
+    <p:sldId id="257" r:id="rId3"/>
   </p:sldIdLst>
   <p:sldSz cx="12192000" cy="6858000"/>
   <p:notesSz cx="6858000" cy="9144000"/>
@@ -104,6 +105,11 @@
       </a:defRPr>
     </a:lvl9pPr>
   </p:defaultTextStyle>
+  <p:extLst>
+    <p:ext uri="{EFAFB233-063F-42B5-8137-9DF3F51BA10A}">
+      <p15:sldGuideLst xmlns:p15="http://schemas.microsoft.com/office/powerpoint/2012/main"/>
+    </p:ext>
+  </p:extLst>
 </p:presentation>
 </file>
 
@@ -3392,6 +3398,94 @@
 </p:sld>
 </file>
 
+<file path=ppt/slides/slide2.xml><?xml version="1.0" encoding="utf-8"?>
+<p:sld xmlns:a="http://schemas.openxmlformats.org/drawingml/2006/main" xmlns:r="http://schemas.openxmlformats.org/officeDocument/2006/relationships" xmlns:p="http://schemas.openxmlformats.org/presentationml/2006/main">
+  <p:cSld>
+    <p:spTree>
+      <p:nvGrpSpPr>
+        <p:cNvPr id="1" name=""/>
+        <p:cNvGrpSpPr/>
+        <p:nvPr/>
+      </p:nvGrpSpPr>
+      <p:grpSpPr>
+        <a:xfrm>
+          <a:off x="0" y="0"/>
+          <a:ext cx="0" cy="0"/>
+          <a:chOff x="0" y="0"/>
+          <a:chExt cx="0" cy="0"/>
+        </a:xfrm>
+      </p:grpSpPr>
+      <p:sp>
+        <p:nvSpPr>
+          <p:cNvPr id="4" name="圆: 空心 3">
+            <a:extLst>
+              <a:ext uri="{FF2B5EF4-FFF2-40B4-BE49-F238E27FC236}">
+                <a16:creationId xmlns:a16="http://schemas.microsoft.com/office/drawing/2014/main" id="{FC4BEF5A-DBA1-BDFA-CFC0-B0EAD4540EE6}"/>
+              </a:ext>
+            </a:extLst>
+          </p:cNvPr>
+          <p:cNvSpPr>
+            <a:spLocks noChangeAspect="1"/>
+          </p:cNvSpPr>
+          <p:nvPr/>
+        </p:nvSpPr>
+        <p:spPr>
+          <a:xfrm>
+            <a:off x="5610000" y="2943000"/>
+            <a:ext cx="972000" cy="972000"/>
+          </a:xfrm>
+          <a:prstGeom prst="donut">
+            <a:avLst/>
+          </a:prstGeom>
+          <a:solidFill>
+            <a:schemeClr val="tx1"/>
+          </a:solidFill>
+          <a:ln w="63500">
+            <a:noFill/>
+          </a:ln>
+        </p:spPr>
+        <p:style>
+          <a:lnRef idx="2">
+            <a:schemeClr val="accent1">
+              <a:shade val="50000"/>
+            </a:schemeClr>
+          </a:lnRef>
+          <a:fillRef idx="1">
+            <a:schemeClr val="accent1"/>
+          </a:fillRef>
+          <a:effectRef idx="0">
+            <a:schemeClr val="accent1"/>
+          </a:effectRef>
+          <a:fontRef idx="minor">
+            <a:schemeClr val="lt1"/>
+          </a:fontRef>
+        </p:style>
+        <p:txBody>
+          <a:bodyPr rtlCol="0" anchor="ctr"/>
+          <a:lstStyle/>
+          <a:p>
+            <a:pPr algn="ctr"/>
+            <a:endParaRPr lang="zh-CN" altLang="en-US" dirty="0">
+              <a:solidFill>
+                <a:schemeClr val="tx1"/>
+              </a:solidFill>
+            </a:endParaRPr>
+          </a:p>
+        </p:txBody>
+      </p:sp>
+    </p:spTree>
+    <p:extLst>
+      <p:ext uri="{BB962C8B-B14F-4D97-AF65-F5344CB8AC3E}">
+        <p14:creationId xmlns:p14="http://schemas.microsoft.com/office/powerpoint/2010/main" val="525964852"/>
+      </p:ext>
+    </p:extLst>
+  </p:cSld>
+  <p:clrMapOvr>
+    <a:masterClrMapping/>
+  </p:clrMapOvr>
+</p:sld>
+</file>
+
 <file path=ppt/theme/theme1.xml><?xml version="1.0" encoding="utf-8"?>
 <a:theme xmlns:a="http://schemas.openxmlformats.org/drawingml/2006/main" name="Office 主题​​">
   <a:themeElements>

--- a/base/static/imgs/logo.pptx
+++ b/base/static/imgs/logo.pptx
@@ -7,6 +7,8 @@
   <p:sldIdLst>
     <p:sldId id="256" r:id="rId2"/>
     <p:sldId id="257" r:id="rId3"/>
+    <p:sldId id="258" r:id="rId4"/>
+    <p:sldId id="259" r:id="rId5"/>
   </p:sldIdLst>
   <p:sldSz cx="12192000" cy="6858000"/>
   <p:notesSz cx="6858000" cy="9144000"/>
@@ -148,7 +150,7 @@
         </p:nvSpPr>
         <p:spPr>
           <a:xfrm>
-            <a:off x="1524000" y="1122363"/>
+            <a:off x="1524001" y="1122363"/>
             <a:ext cx="9144000" cy="2387600"/>
           </a:xfrm>
         </p:spPr>
@@ -185,7 +187,7 @@
         </p:nvSpPr>
         <p:spPr>
           <a:xfrm>
-            <a:off x="1524000" y="3602038"/>
+            <a:off x="1524001" y="3602038"/>
             <a:ext cx="9144000" cy="1655762"/>
           </a:xfrm>
         </p:spPr>
@@ -196,35 +198,35 @@
               <a:buNone/>
               <a:defRPr sz="2400"/>
             </a:lvl1pPr>
-            <a:lvl2pPr marL="457200" indent="0" algn="ctr">
+            <a:lvl2pPr marL="457213" indent="0" algn="ctr">
               <a:buNone/>
               <a:defRPr sz="2000"/>
             </a:lvl2pPr>
-            <a:lvl3pPr marL="914400" indent="0" algn="ctr">
+            <a:lvl3pPr marL="914427" indent="0" algn="ctr">
               <a:buNone/>
               <a:defRPr sz="1800"/>
             </a:lvl3pPr>
-            <a:lvl4pPr marL="1371600" indent="0" algn="ctr">
+            <a:lvl4pPr marL="1371640" indent="0" algn="ctr">
               <a:buNone/>
               <a:defRPr sz="1600"/>
             </a:lvl4pPr>
-            <a:lvl5pPr marL="1828800" indent="0" algn="ctr">
+            <a:lvl5pPr marL="1828853" indent="0" algn="ctr">
               <a:buNone/>
               <a:defRPr sz="1600"/>
             </a:lvl5pPr>
-            <a:lvl6pPr marL="2286000" indent="0" algn="ctr">
+            <a:lvl6pPr marL="2286067" indent="0" algn="ctr">
               <a:buNone/>
               <a:defRPr sz="1600"/>
             </a:lvl6pPr>
-            <a:lvl7pPr marL="2743200" indent="0" algn="ctr">
+            <a:lvl7pPr marL="2743280" indent="0" algn="ctr">
               <a:buNone/>
               <a:defRPr sz="1600"/>
             </a:lvl7pPr>
-            <a:lvl8pPr marL="3200400" indent="0" algn="ctr">
+            <a:lvl8pPr marL="3200494" indent="0" algn="ctr">
               <a:buNone/>
               <a:defRPr sz="1600"/>
             </a:lvl8pPr>
-            <a:lvl9pPr marL="3657600" indent="0" algn="ctr">
+            <a:lvl9pPr marL="3657707" indent="0" algn="ctr">
               <a:buNone/>
               <a:defRPr sz="1600"/>
             </a:lvl9pPr>
@@ -260,7 +262,7 @@
           <a:p>
             <a:fld id="{9C042EA8-B778-4889-A57F-F4B58990052D}" type="datetimeFigureOut">
               <a:rPr lang="zh-CN" altLang="en-US" smtClean="0"/>
-              <a:t>2023/2/28</a:t>
+              <a:t>2023-08-12</a:t>
             </a:fld>
             <a:endParaRPr lang="zh-CN" altLang="en-US"/>
           </a:p>
@@ -330,6 +332,22 @@
   <p:clrMapOvr>
     <a:masterClrMapping/>
   </p:clrMapOvr>
+  <p:extLst>
+    <p:ext uri="{DCECCB84-F9BA-43D5-87BE-67443E8EF086}">
+      <p15:sldGuideLst xmlns:p15="http://schemas.microsoft.com/office/powerpoint/2012/main">
+        <p15:guide id="1" orient="horz" pos="2160" userDrawn="1">
+          <p15:clr>
+            <a:srgbClr val="FBAE40"/>
+          </p15:clr>
+        </p15:guide>
+        <p15:guide id="2" pos="3840" userDrawn="1">
+          <p15:clr>
+            <a:srgbClr val="FBAE40"/>
+          </p15:clr>
+        </p15:guide>
+      </p15:sldGuideLst>
+    </p:ext>
+  </p:extLst>
 </p:sldLayout>
 </file>
 
@@ -458,7 +476,7 @@
           <a:p>
             <a:fld id="{9C042EA8-B778-4889-A57F-F4B58990052D}" type="datetimeFigureOut">
               <a:rPr lang="zh-CN" altLang="en-US" smtClean="0"/>
-              <a:t>2023/2/28</a:t>
+              <a:t>2023-08-12</a:t>
             </a:fld>
             <a:endParaRPr lang="zh-CN" altLang="en-US"/>
           </a:p>
@@ -666,7 +684,7 @@
           <a:p>
             <a:fld id="{9C042EA8-B778-4889-A57F-F4B58990052D}" type="datetimeFigureOut">
               <a:rPr lang="zh-CN" altLang="en-US" smtClean="0"/>
-              <a:t>2023/2/28</a:t>
+              <a:t>2023-08-12</a:t>
             </a:fld>
             <a:endParaRPr lang="zh-CN" altLang="en-US"/>
           </a:p>
@@ -864,7 +882,7 @@
           <a:p>
             <a:fld id="{9C042EA8-B778-4889-A57F-F4B58990052D}" type="datetimeFigureOut">
               <a:rPr lang="zh-CN" altLang="en-US" smtClean="0"/>
-              <a:t>2023/2/28</a:t>
+              <a:t>2023-08-12</a:t>
             </a:fld>
             <a:endParaRPr lang="zh-CN" altLang="en-US"/>
           </a:p>
@@ -972,7 +990,7 @@
         </p:nvSpPr>
         <p:spPr>
           <a:xfrm>
-            <a:off x="831850" y="1709738"/>
+            <a:off x="831850" y="1709740"/>
             <a:ext cx="10515600" cy="2852737"/>
           </a:xfrm>
         </p:spPr>
@@ -1009,7 +1027,7 @@
         </p:nvSpPr>
         <p:spPr>
           <a:xfrm>
-            <a:off x="831850" y="4589463"/>
+            <a:off x="831850" y="4589465"/>
             <a:ext cx="10515600" cy="1500187"/>
           </a:xfrm>
         </p:spPr>
@@ -1026,7 +1044,7 @@
                 </a:solidFill>
               </a:defRPr>
             </a:lvl1pPr>
-            <a:lvl2pPr marL="457200" indent="0">
+            <a:lvl2pPr marL="457213" indent="0">
               <a:buNone/>
               <a:defRPr sz="2000">
                 <a:solidFill>
@@ -1036,7 +1054,7 @@
                 </a:solidFill>
               </a:defRPr>
             </a:lvl2pPr>
-            <a:lvl3pPr marL="914400" indent="0">
+            <a:lvl3pPr marL="914427" indent="0">
               <a:buNone/>
               <a:defRPr sz="1800">
                 <a:solidFill>
@@ -1046,7 +1064,7 @@
                 </a:solidFill>
               </a:defRPr>
             </a:lvl3pPr>
-            <a:lvl4pPr marL="1371600" indent="0">
+            <a:lvl4pPr marL="1371640" indent="0">
               <a:buNone/>
               <a:defRPr sz="1600">
                 <a:solidFill>
@@ -1056,7 +1074,7 @@
                 </a:solidFill>
               </a:defRPr>
             </a:lvl4pPr>
-            <a:lvl5pPr marL="1828800" indent="0">
+            <a:lvl5pPr marL="1828853" indent="0">
               <a:buNone/>
               <a:defRPr sz="1600">
                 <a:solidFill>
@@ -1066,7 +1084,7 @@
                 </a:solidFill>
               </a:defRPr>
             </a:lvl5pPr>
-            <a:lvl6pPr marL="2286000" indent="0">
+            <a:lvl6pPr marL="2286067" indent="0">
               <a:buNone/>
               <a:defRPr sz="1600">
                 <a:solidFill>
@@ -1076,7 +1094,7 @@
                 </a:solidFill>
               </a:defRPr>
             </a:lvl6pPr>
-            <a:lvl7pPr marL="2743200" indent="0">
+            <a:lvl7pPr marL="2743280" indent="0">
               <a:buNone/>
               <a:defRPr sz="1600">
                 <a:solidFill>
@@ -1086,7 +1104,7 @@
                 </a:solidFill>
               </a:defRPr>
             </a:lvl7pPr>
-            <a:lvl8pPr marL="3200400" indent="0">
+            <a:lvl8pPr marL="3200494" indent="0">
               <a:buNone/>
               <a:defRPr sz="1600">
                 <a:solidFill>
@@ -1096,7 +1114,7 @@
                 </a:solidFill>
               </a:defRPr>
             </a:lvl8pPr>
-            <a:lvl9pPr marL="3657600" indent="0">
+            <a:lvl9pPr marL="3657707" indent="0">
               <a:buNone/>
               <a:defRPr sz="1600">
                 <a:solidFill>
@@ -1139,7 +1157,7 @@
           <a:p>
             <a:fld id="{9C042EA8-B778-4889-A57F-F4B58990052D}" type="datetimeFigureOut">
               <a:rPr lang="zh-CN" altLang="en-US" smtClean="0"/>
-              <a:t>2023/2/28</a:t>
+              <a:t>2023-08-12</a:t>
             </a:fld>
             <a:endParaRPr lang="zh-CN" altLang="en-US"/>
           </a:p>
@@ -1404,7 +1422,7 @@
           <a:p>
             <a:fld id="{9C042EA8-B778-4889-A57F-F4B58990052D}" type="datetimeFigureOut">
               <a:rPr lang="zh-CN" altLang="en-US" smtClean="0"/>
-              <a:t>2023/2/28</a:t>
+              <a:t>2023-08-12</a:t>
             </a:fld>
             <a:endParaRPr lang="zh-CN" altLang="en-US"/>
           </a:p>
@@ -1512,7 +1530,7 @@
         </p:nvSpPr>
         <p:spPr>
           <a:xfrm>
-            <a:off x="839788" y="365125"/>
+            <a:off x="839788" y="365127"/>
             <a:ext cx="10515600" cy="1325563"/>
           </a:xfrm>
         </p:spPr>
@@ -1545,7 +1563,7 @@
         </p:nvSpPr>
         <p:spPr>
           <a:xfrm>
-            <a:off x="839788" y="1681163"/>
+            <a:off x="839789" y="1681163"/>
             <a:ext cx="5157787" cy="823912"/>
           </a:xfrm>
         </p:spPr>
@@ -1556,35 +1574,35 @@
               <a:buNone/>
               <a:defRPr sz="2400" b="1"/>
             </a:lvl1pPr>
-            <a:lvl2pPr marL="457200" indent="0">
+            <a:lvl2pPr marL="457213" indent="0">
               <a:buNone/>
               <a:defRPr sz="2000" b="1"/>
             </a:lvl2pPr>
-            <a:lvl3pPr marL="914400" indent="0">
+            <a:lvl3pPr marL="914427" indent="0">
               <a:buNone/>
               <a:defRPr sz="1800" b="1"/>
             </a:lvl3pPr>
-            <a:lvl4pPr marL="1371600" indent="0">
+            <a:lvl4pPr marL="1371640" indent="0">
               <a:buNone/>
               <a:defRPr sz="1600" b="1"/>
             </a:lvl4pPr>
-            <a:lvl5pPr marL="1828800" indent="0">
+            <a:lvl5pPr marL="1828853" indent="0">
               <a:buNone/>
               <a:defRPr sz="1600" b="1"/>
             </a:lvl5pPr>
-            <a:lvl6pPr marL="2286000" indent="0">
+            <a:lvl6pPr marL="2286067" indent="0">
               <a:buNone/>
               <a:defRPr sz="1600" b="1"/>
             </a:lvl6pPr>
-            <a:lvl7pPr marL="2743200" indent="0">
+            <a:lvl7pPr marL="2743280" indent="0">
               <a:buNone/>
               <a:defRPr sz="1600" b="1"/>
             </a:lvl7pPr>
-            <a:lvl8pPr marL="3200400" indent="0">
+            <a:lvl8pPr marL="3200494" indent="0">
               <a:buNone/>
               <a:defRPr sz="1600" b="1"/>
             </a:lvl8pPr>
-            <a:lvl9pPr marL="3657600" indent="0">
+            <a:lvl9pPr marL="3657707" indent="0">
               <a:buNone/>
               <a:defRPr sz="1600" b="1"/>
             </a:lvl9pPr>
@@ -1616,7 +1634,7 @@
         </p:nvSpPr>
         <p:spPr>
           <a:xfrm>
-            <a:off x="839788" y="2505075"/>
+            <a:off x="839789" y="2505075"/>
             <a:ext cx="5157787" cy="3684588"/>
           </a:xfrm>
         </p:spPr>
@@ -1689,35 +1707,35 @@
               <a:buNone/>
               <a:defRPr sz="2400" b="1"/>
             </a:lvl1pPr>
-            <a:lvl2pPr marL="457200" indent="0">
+            <a:lvl2pPr marL="457213" indent="0">
               <a:buNone/>
               <a:defRPr sz="2000" b="1"/>
             </a:lvl2pPr>
-            <a:lvl3pPr marL="914400" indent="0">
+            <a:lvl3pPr marL="914427" indent="0">
               <a:buNone/>
               <a:defRPr sz="1800" b="1"/>
             </a:lvl3pPr>
-            <a:lvl4pPr marL="1371600" indent="0">
+            <a:lvl4pPr marL="1371640" indent="0">
               <a:buNone/>
               <a:defRPr sz="1600" b="1"/>
             </a:lvl4pPr>
-            <a:lvl5pPr marL="1828800" indent="0">
+            <a:lvl5pPr marL="1828853" indent="0">
               <a:buNone/>
               <a:defRPr sz="1600" b="1"/>
             </a:lvl5pPr>
-            <a:lvl6pPr marL="2286000" indent="0">
+            <a:lvl6pPr marL="2286067" indent="0">
               <a:buNone/>
               <a:defRPr sz="1600" b="1"/>
             </a:lvl6pPr>
-            <a:lvl7pPr marL="2743200" indent="0">
+            <a:lvl7pPr marL="2743280" indent="0">
               <a:buNone/>
               <a:defRPr sz="1600" b="1"/>
             </a:lvl7pPr>
-            <a:lvl8pPr marL="3200400" indent="0">
+            <a:lvl8pPr marL="3200494" indent="0">
               <a:buNone/>
               <a:defRPr sz="1600" b="1"/>
             </a:lvl8pPr>
-            <a:lvl9pPr marL="3657600" indent="0">
+            <a:lvl9pPr marL="3657707" indent="0">
               <a:buNone/>
               <a:defRPr sz="1600" b="1"/>
             </a:lvl9pPr>
@@ -1816,7 +1834,7 @@
           <a:p>
             <a:fld id="{9C042EA8-B778-4889-A57F-F4B58990052D}" type="datetimeFigureOut">
               <a:rPr lang="zh-CN" altLang="en-US" smtClean="0"/>
-              <a:t>2023/2/28</a:t>
+              <a:t>2023-08-12</a:t>
             </a:fld>
             <a:endParaRPr lang="zh-CN" altLang="en-US"/>
           </a:p>
@@ -1957,7 +1975,7 @@
           <a:p>
             <a:fld id="{9C042EA8-B778-4889-A57F-F4B58990052D}" type="datetimeFigureOut">
               <a:rPr lang="zh-CN" altLang="en-US" smtClean="0"/>
-              <a:t>2023/2/28</a:t>
+              <a:t>2023-08-12</a:t>
             </a:fld>
             <a:endParaRPr lang="zh-CN" altLang="en-US"/>
           </a:p>
@@ -2070,7 +2088,7 @@
           <a:p>
             <a:fld id="{9C042EA8-B778-4889-A57F-F4B58990052D}" type="datetimeFigureOut">
               <a:rPr lang="zh-CN" altLang="en-US" smtClean="0"/>
-              <a:t>2023/2/28</a:t>
+              <a:t>2023-08-12</a:t>
             </a:fld>
             <a:endParaRPr lang="zh-CN" altLang="en-US"/>
           </a:p>
@@ -2178,7 +2196,7 @@
         </p:nvSpPr>
         <p:spPr>
           <a:xfrm>
-            <a:off x="839788" y="457200"/>
+            <a:off x="839789" y="457200"/>
             <a:ext cx="3932237" cy="1600200"/>
           </a:xfrm>
         </p:spPr>
@@ -2215,7 +2233,7 @@
         </p:nvSpPr>
         <p:spPr>
           <a:xfrm>
-            <a:off x="5183188" y="987425"/>
+            <a:off x="5183188" y="987427"/>
             <a:ext cx="6172200" cy="4873625"/>
           </a:xfrm>
         </p:spPr>
@@ -2305,7 +2323,7 @@
         </p:nvSpPr>
         <p:spPr>
           <a:xfrm>
-            <a:off x="839788" y="2057400"/>
+            <a:off x="839789" y="2057400"/>
             <a:ext cx="3932237" cy="3811588"/>
           </a:xfrm>
         </p:spPr>
@@ -2316,35 +2334,35 @@
               <a:buNone/>
               <a:defRPr sz="1600"/>
             </a:lvl1pPr>
-            <a:lvl2pPr marL="457200" indent="0">
+            <a:lvl2pPr marL="457213" indent="0">
               <a:buNone/>
               <a:defRPr sz="1400"/>
             </a:lvl2pPr>
-            <a:lvl3pPr marL="914400" indent="0">
+            <a:lvl3pPr marL="914427" indent="0">
               <a:buNone/>
               <a:defRPr sz="1200"/>
             </a:lvl3pPr>
-            <a:lvl4pPr marL="1371600" indent="0">
+            <a:lvl4pPr marL="1371640" indent="0">
               <a:buNone/>
               <a:defRPr sz="1000"/>
             </a:lvl4pPr>
-            <a:lvl5pPr marL="1828800" indent="0">
+            <a:lvl5pPr marL="1828853" indent="0">
               <a:buNone/>
               <a:defRPr sz="1000"/>
             </a:lvl5pPr>
-            <a:lvl6pPr marL="2286000" indent="0">
+            <a:lvl6pPr marL="2286067" indent="0">
               <a:buNone/>
               <a:defRPr sz="1000"/>
             </a:lvl6pPr>
-            <a:lvl7pPr marL="2743200" indent="0">
+            <a:lvl7pPr marL="2743280" indent="0">
               <a:buNone/>
               <a:defRPr sz="1000"/>
             </a:lvl7pPr>
-            <a:lvl8pPr marL="3200400" indent="0">
+            <a:lvl8pPr marL="3200494" indent="0">
               <a:buNone/>
               <a:defRPr sz="1000"/>
             </a:lvl8pPr>
-            <a:lvl9pPr marL="3657600" indent="0">
+            <a:lvl9pPr marL="3657707" indent="0">
               <a:buNone/>
               <a:defRPr sz="1000"/>
             </a:lvl9pPr>
@@ -2381,7 +2399,7 @@
           <a:p>
             <a:fld id="{9C042EA8-B778-4889-A57F-F4B58990052D}" type="datetimeFigureOut">
               <a:rPr lang="zh-CN" altLang="en-US" smtClean="0"/>
-              <a:t>2023/2/28</a:t>
+              <a:t>2023-08-12</a:t>
             </a:fld>
             <a:endParaRPr lang="zh-CN" altLang="en-US"/>
           </a:p>
@@ -2489,7 +2507,7 @@
         </p:nvSpPr>
         <p:spPr>
           <a:xfrm>
-            <a:off x="839788" y="457200"/>
+            <a:off x="839789" y="457200"/>
             <a:ext cx="3932237" cy="1600200"/>
           </a:xfrm>
         </p:spPr>
@@ -2526,7 +2544,7 @@
         </p:nvSpPr>
         <p:spPr>
           <a:xfrm>
-            <a:off x="5183188" y="987425"/>
+            <a:off x="5183188" y="987427"/>
             <a:ext cx="6172200" cy="4873625"/>
           </a:xfrm>
         </p:spPr>
@@ -2537,35 +2555,35 @@
               <a:buNone/>
               <a:defRPr sz="3200"/>
             </a:lvl1pPr>
-            <a:lvl2pPr marL="457200" indent="0">
+            <a:lvl2pPr marL="457213" indent="0">
               <a:buNone/>
               <a:defRPr sz="2800"/>
             </a:lvl2pPr>
-            <a:lvl3pPr marL="914400" indent="0">
+            <a:lvl3pPr marL="914427" indent="0">
               <a:buNone/>
               <a:defRPr sz="2400"/>
             </a:lvl3pPr>
-            <a:lvl4pPr marL="1371600" indent="0">
+            <a:lvl4pPr marL="1371640" indent="0">
               <a:buNone/>
               <a:defRPr sz="2000"/>
             </a:lvl4pPr>
-            <a:lvl5pPr marL="1828800" indent="0">
+            <a:lvl5pPr marL="1828853" indent="0">
               <a:buNone/>
               <a:defRPr sz="2000"/>
             </a:lvl5pPr>
-            <a:lvl6pPr marL="2286000" indent="0">
+            <a:lvl6pPr marL="2286067" indent="0">
               <a:buNone/>
               <a:defRPr sz="2000"/>
             </a:lvl6pPr>
-            <a:lvl7pPr marL="2743200" indent="0">
+            <a:lvl7pPr marL="2743280" indent="0">
               <a:buNone/>
               <a:defRPr sz="2000"/>
             </a:lvl7pPr>
-            <a:lvl8pPr marL="3200400" indent="0">
+            <a:lvl8pPr marL="3200494" indent="0">
               <a:buNone/>
               <a:defRPr sz="2000"/>
             </a:lvl8pPr>
-            <a:lvl9pPr marL="3657600" indent="0">
+            <a:lvl9pPr marL="3657707" indent="0">
               <a:buNone/>
               <a:defRPr sz="2000"/>
             </a:lvl9pPr>
@@ -2593,7 +2611,7 @@
         </p:nvSpPr>
         <p:spPr>
           <a:xfrm>
-            <a:off x="839788" y="2057400"/>
+            <a:off x="839789" y="2057400"/>
             <a:ext cx="3932237" cy="3811588"/>
           </a:xfrm>
         </p:spPr>
@@ -2604,35 +2622,35 @@
               <a:buNone/>
               <a:defRPr sz="1600"/>
             </a:lvl1pPr>
-            <a:lvl2pPr marL="457200" indent="0">
+            <a:lvl2pPr marL="457213" indent="0">
               <a:buNone/>
               <a:defRPr sz="1400"/>
             </a:lvl2pPr>
-            <a:lvl3pPr marL="914400" indent="0">
+            <a:lvl3pPr marL="914427" indent="0">
               <a:buNone/>
               <a:defRPr sz="1200"/>
             </a:lvl3pPr>
-            <a:lvl4pPr marL="1371600" indent="0">
+            <a:lvl4pPr marL="1371640" indent="0">
               <a:buNone/>
               <a:defRPr sz="1000"/>
             </a:lvl4pPr>
-            <a:lvl5pPr marL="1828800" indent="0">
+            <a:lvl5pPr marL="1828853" indent="0">
               <a:buNone/>
               <a:defRPr sz="1000"/>
             </a:lvl5pPr>
-            <a:lvl6pPr marL="2286000" indent="0">
+            <a:lvl6pPr marL="2286067" indent="0">
               <a:buNone/>
               <a:defRPr sz="1000"/>
             </a:lvl6pPr>
-            <a:lvl7pPr marL="2743200" indent="0">
+            <a:lvl7pPr marL="2743280" indent="0">
               <a:buNone/>
               <a:defRPr sz="1000"/>
             </a:lvl7pPr>
-            <a:lvl8pPr marL="3200400" indent="0">
+            <a:lvl8pPr marL="3200494" indent="0">
               <a:buNone/>
               <a:defRPr sz="1000"/>
             </a:lvl8pPr>
-            <a:lvl9pPr marL="3657600" indent="0">
+            <a:lvl9pPr marL="3657707" indent="0">
               <a:buNone/>
               <a:defRPr sz="1000"/>
             </a:lvl9pPr>
@@ -2669,7 +2687,7 @@
           <a:p>
             <a:fld id="{9C042EA8-B778-4889-A57F-F4B58990052D}" type="datetimeFigureOut">
               <a:rPr lang="zh-CN" altLang="en-US" smtClean="0"/>
-              <a:t>2023/2/28</a:t>
+              <a:t>2023-08-12</a:t>
             </a:fld>
             <a:endParaRPr lang="zh-CN" altLang="en-US"/>
           </a:p>
@@ -2782,7 +2800,7 @@
         </p:nvSpPr>
         <p:spPr>
           <a:xfrm>
-            <a:off x="838200" y="365125"/>
+            <a:off x="838200" y="365127"/>
             <a:ext cx="10515600" cy="1325563"/>
           </a:xfrm>
           <a:prstGeom prst="rect">
@@ -2887,7 +2905,7 @@
         </p:nvSpPr>
         <p:spPr>
           <a:xfrm>
-            <a:off x="838200" y="6356350"/>
+            <a:off x="838200" y="6356352"/>
             <a:ext cx="2743200" cy="365125"/>
           </a:xfrm>
           <a:prstGeom prst="rect">
@@ -2910,7 +2928,7 @@
           <a:p>
             <a:fld id="{9C042EA8-B778-4889-A57F-F4B58990052D}" type="datetimeFigureOut">
               <a:rPr lang="zh-CN" altLang="en-US" smtClean="0"/>
-              <a:t>2023/2/28</a:t>
+              <a:t>2023-08-12</a:t>
             </a:fld>
             <a:endParaRPr lang="zh-CN" altLang="en-US"/>
           </a:p>
@@ -2934,7 +2952,7 @@
         </p:nvSpPr>
         <p:spPr>
           <a:xfrm>
-            <a:off x="4038600" y="6356350"/>
+            <a:off x="4038601" y="6356352"/>
             <a:ext cx="4114800" cy="365125"/>
           </a:xfrm>
           <a:prstGeom prst="rect">
@@ -2977,7 +2995,7 @@
         </p:nvSpPr>
         <p:spPr>
           <a:xfrm>
-            <a:off x="8610600" y="6356350"/>
+            <a:off x="8610600" y="6356352"/>
             <a:ext cx="2743200" cy="365125"/>
           </a:xfrm>
           <a:prstGeom prst="rect">
@@ -3029,7 +3047,7 @@
   </p:sldLayoutIdLst>
   <p:txStyles>
     <p:titleStyle>
-      <a:lvl1pPr algn="l" defTabSz="914400" rtl="0" eaLnBrk="1" latinLnBrk="0" hangingPunct="1">
+      <a:lvl1pPr algn="l" defTabSz="914427" rtl="0" eaLnBrk="1" latinLnBrk="0" hangingPunct="1">
         <a:lnSpc>
           <a:spcPct val="90000"/>
         </a:lnSpc>
@@ -3048,7 +3066,7 @@
       </a:lvl1pPr>
     </p:titleStyle>
     <p:bodyStyle>
-      <a:lvl1pPr marL="228600" indent="-228600" algn="l" defTabSz="914400" rtl="0" eaLnBrk="1" latinLnBrk="0" hangingPunct="1">
+      <a:lvl1pPr marL="228606" indent="-228606" algn="l" defTabSz="914427" rtl="0" eaLnBrk="1" latinLnBrk="0" hangingPunct="1">
         <a:lnSpc>
           <a:spcPct val="90000"/>
         </a:lnSpc>
@@ -3066,7 +3084,7 @@
           <a:cs typeface="+mn-cs"/>
         </a:defRPr>
       </a:lvl1pPr>
-      <a:lvl2pPr marL="685800" indent="-228600" algn="l" defTabSz="914400" rtl="0" eaLnBrk="1" latinLnBrk="0" hangingPunct="1">
+      <a:lvl2pPr marL="685820" indent="-228606" algn="l" defTabSz="914427" rtl="0" eaLnBrk="1" latinLnBrk="0" hangingPunct="1">
         <a:lnSpc>
           <a:spcPct val="90000"/>
         </a:lnSpc>
@@ -3084,7 +3102,7 @@
           <a:cs typeface="+mn-cs"/>
         </a:defRPr>
       </a:lvl2pPr>
-      <a:lvl3pPr marL="1143000" indent="-228600" algn="l" defTabSz="914400" rtl="0" eaLnBrk="1" latinLnBrk="0" hangingPunct="1">
+      <a:lvl3pPr marL="1143033" indent="-228606" algn="l" defTabSz="914427" rtl="0" eaLnBrk="1" latinLnBrk="0" hangingPunct="1">
         <a:lnSpc>
           <a:spcPct val="90000"/>
         </a:lnSpc>
@@ -3102,7 +3120,7 @@
           <a:cs typeface="+mn-cs"/>
         </a:defRPr>
       </a:lvl3pPr>
-      <a:lvl4pPr marL="1600200" indent="-228600" algn="l" defTabSz="914400" rtl="0" eaLnBrk="1" latinLnBrk="0" hangingPunct="1">
+      <a:lvl4pPr marL="1600247" indent="-228606" algn="l" defTabSz="914427" rtl="0" eaLnBrk="1" latinLnBrk="0" hangingPunct="1">
         <a:lnSpc>
           <a:spcPct val="90000"/>
         </a:lnSpc>
@@ -3120,7 +3138,7 @@
           <a:cs typeface="+mn-cs"/>
         </a:defRPr>
       </a:lvl4pPr>
-      <a:lvl5pPr marL="2057400" indent="-228600" algn="l" defTabSz="914400" rtl="0" eaLnBrk="1" latinLnBrk="0" hangingPunct="1">
+      <a:lvl5pPr marL="2057460" indent="-228606" algn="l" defTabSz="914427" rtl="0" eaLnBrk="1" latinLnBrk="0" hangingPunct="1">
         <a:lnSpc>
           <a:spcPct val="90000"/>
         </a:lnSpc>
@@ -3138,7 +3156,7 @@
           <a:cs typeface="+mn-cs"/>
         </a:defRPr>
       </a:lvl5pPr>
-      <a:lvl6pPr marL="2514600" indent="-228600" algn="l" defTabSz="914400" rtl="0" eaLnBrk="1" latinLnBrk="0" hangingPunct="1">
+      <a:lvl6pPr marL="2514674" indent="-228606" algn="l" defTabSz="914427" rtl="0" eaLnBrk="1" latinLnBrk="0" hangingPunct="1">
         <a:lnSpc>
           <a:spcPct val="90000"/>
         </a:lnSpc>
@@ -3156,7 +3174,7 @@
           <a:cs typeface="+mn-cs"/>
         </a:defRPr>
       </a:lvl6pPr>
-      <a:lvl7pPr marL="2971800" indent="-228600" algn="l" defTabSz="914400" rtl="0" eaLnBrk="1" latinLnBrk="0" hangingPunct="1">
+      <a:lvl7pPr marL="2971887" indent="-228606" algn="l" defTabSz="914427" rtl="0" eaLnBrk="1" latinLnBrk="0" hangingPunct="1">
         <a:lnSpc>
           <a:spcPct val="90000"/>
         </a:lnSpc>
@@ -3174,7 +3192,7 @@
           <a:cs typeface="+mn-cs"/>
         </a:defRPr>
       </a:lvl7pPr>
-      <a:lvl8pPr marL="3429000" indent="-228600" algn="l" defTabSz="914400" rtl="0" eaLnBrk="1" latinLnBrk="0" hangingPunct="1">
+      <a:lvl8pPr marL="3429100" indent="-228606" algn="l" defTabSz="914427" rtl="0" eaLnBrk="1" latinLnBrk="0" hangingPunct="1">
         <a:lnSpc>
           <a:spcPct val="90000"/>
         </a:lnSpc>
@@ -3192,7 +3210,7 @@
           <a:cs typeface="+mn-cs"/>
         </a:defRPr>
       </a:lvl8pPr>
-      <a:lvl9pPr marL="3886200" indent="-228600" algn="l" defTabSz="914400" rtl="0" eaLnBrk="1" latinLnBrk="0" hangingPunct="1">
+      <a:lvl9pPr marL="3886314" indent="-228606" algn="l" defTabSz="914427" rtl="0" eaLnBrk="1" latinLnBrk="0" hangingPunct="1">
         <a:lnSpc>
           <a:spcPct val="90000"/>
         </a:lnSpc>
@@ -3215,7 +3233,7 @@
       <a:defPPr>
         <a:defRPr lang="zh-CN"/>
       </a:defPPr>
-      <a:lvl1pPr marL="0" algn="l" defTabSz="914400" rtl="0" eaLnBrk="1" latinLnBrk="0" hangingPunct="1">
+      <a:lvl1pPr marL="0" algn="l" defTabSz="914427" rtl="0" eaLnBrk="1" latinLnBrk="0" hangingPunct="1">
         <a:defRPr sz="1800" kern="1200">
           <a:solidFill>
             <a:schemeClr val="tx1"/>
@@ -3225,7 +3243,7 @@
           <a:cs typeface="+mn-cs"/>
         </a:defRPr>
       </a:lvl1pPr>
-      <a:lvl2pPr marL="457200" algn="l" defTabSz="914400" rtl="0" eaLnBrk="1" latinLnBrk="0" hangingPunct="1">
+      <a:lvl2pPr marL="457213" algn="l" defTabSz="914427" rtl="0" eaLnBrk="1" latinLnBrk="0" hangingPunct="1">
         <a:defRPr sz="1800" kern="1200">
           <a:solidFill>
             <a:schemeClr val="tx1"/>
@@ -3235,7 +3253,7 @@
           <a:cs typeface="+mn-cs"/>
         </a:defRPr>
       </a:lvl2pPr>
-      <a:lvl3pPr marL="914400" algn="l" defTabSz="914400" rtl="0" eaLnBrk="1" latinLnBrk="0" hangingPunct="1">
+      <a:lvl3pPr marL="914427" algn="l" defTabSz="914427" rtl="0" eaLnBrk="1" latinLnBrk="0" hangingPunct="1">
         <a:defRPr sz="1800" kern="1200">
           <a:solidFill>
             <a:schemeClr val="tx1"/>
@@ -3245,7 +3263,7 @@
           <a:cs typeface="+mn-cs"/>
         </a:defRPr>
       </a:lvl3pPr>
-      <a:lvl4pPr marL="1371600" algn="l" defTabSz="914400" rtl="0" eaLnBrk="1" latinLnBrk="0" hangingPunct="1">
+      <a:lvl4pPr marL="1371640" algn="l" defTabSz="914427" rtl="0" eaLnBrk="1" latinLnBrk="0" hangingPunct="1">
         <a:defRPr sz="1800" kern="1200">
           <a:solidFill>
             <a:schemeClr val="tx1"/>
@@ -3255,7 +3273,7 @@
           <a:cs typeface="+mn-cs"/>
         </a:defRPr>
       </a:lvl4pPr>
-      <a:lvl5pPr marL="1828800" algn="l" defTabSz="914400" rtl="0" eaLnBrk="1" latinLnBrk="0" hangingPunct="1">
+      <a:lvl5pPr marL="1828853" algn="l" defTabSz="914427" rtl="0" eaLnBrk="1" latinLnBrk="0" hangingPunct="1">
         <a:defRPr sz="1800" kern="1200">
           <a:solidFill>
             <a:schemeClr val="tx1"/>
@@ -3265,7 +3283,7 @@
           <a:cs typeface="+mn-cs"/>
         </a:defRPr>
       </a:lvl5pPr>
-      <a:lvl6pPr marL="2286000" algn="l" defTabSz="914400" rtl="0" eaLnBrk="1" latinLnBrk="0" hangingPunct="1">
+      <a:lvl6pPr marL="2286067" algn="l" defTabSz="914427" rtl="0" eaLnBrk="1" latinLnBrk="0" hangingPunct="1">
         <a:defRPr sz="1800" kern="1200">
           <a:solidFill>
             <a:schemeClr val="tx1"/>
@@ -3275,7 +3293,7 @@
           <a:cs typeface="+mn-cs"/>
         </a:defRPr>
       </a:lvl6pPr>
-      <a:lvl7pPr marL="2743200" algn="l" defTabSz="914400" rtl="0" eaLnBrk="1" latinLnBrk="0" hangingPunct="1">
+      <a:lvl7pPr marL="2743280" algn="l" defTabSz="914427" rtl="0" eaLnBrk="1" latinLnBrk="0" hangingPunct="1">
         <a:defRPr sz="1800" kern="1200">
           <a:solidFill>
             <a:schemeClr val="tx1"/>
@@ -3285,7 +3303,7 @@
           <a:cs typeface="+mn-cs"/>
         </a:defRPr>
       </a:lvl7pPr>
-      <a:lvl8pPr marL="3200400" algn="l" defTabSz="914400" rtl="0" eaLnBrk="1" latinLnBrk="0" hangingPunct="1">
+      <a:lvl8pPr marL="3200494" algn="l" defTabSz="914427" rtl="0" eaLnBrk="1" latinLnBrk="0" hangingPunct="1">
         <a:defRPr sz="1800" kern="1200">
           <a:solidFill>
             <a:schemeClr val="tx1"/>
@@ -3295,7 +3313,7 @@
           <a:cs typeface="+mn-cs"/>
         </a:defRPr>
       </a:lvl8pPr>
-      <a:lvl9pPr marL="3657600" algn="l" defTabSz="914400" rtl="0" eaLnBrk="1" latinLnBrk="0" hangingPunct="1">
+      <a:lvl9pPr marL="3657707" algn="l" defTabSz="914427" rtl="0" eaLnBrk="1" latinLnBrk="0" hangingPunct="1">
         <a:defRPr sz="1800" kern="1200">
           <a:solidFill>
             <a:schemeClr val="tx1"/>
@@ -3477,6 +3495,830 @@
     <p:extLst>
       <p:ext uri="{BB962C8B-B14F-4D97-AF65-F5344CB8AC3E}">
         <p14:creationId xmlns:p14="http://schemas.microsoft.com/office/powerpoint/2010/main" val="525964852"/>
+      </p:ext>
+    </p:extLst>
+  </p:cSld>
+  <p:clrMapOvr>
+    <a:masterClrMapping/>
+  </p:clrMapOvr>
+</p:sld>
+</file>
+
+<file path=ppt/slides/slide3.xml><?xml version="1.0" encoding="utf-8"?>
+<p:sld xmlns:a="http://schemas.openxmlformats.org/drawingml/2006/main" xmlns:r="http://schemas.openxmlformats.org/officeDocument/2006/relationships" xmlns:p="http://schemas.openxmlformats.org/presentationml/2006/main">
+  <p:cSld>
+    <p:spTree>
+      <p:nvGrpSpPr>
+        <p:cNvPr id="1" name=""/>
+        <p:cNvGrpSpPr/>
+        <p:nvPr/>
+      </p:nvGrpSpPr>
+      <p:grpSpPr>
+        <a:xfrm>
+          <a:off x="0" y="0"/>
+          <a:ext cx="0" cy="0"/>
+          <a:chOff x="0" y="0"/>
+          <a:chExt cx="0" cy="0"/>
+        </a:xfrm>
+      </p:grpSpPr>
+      <p:sp>
+        <p:nvSpPr>
+          <p:cNvPr id="2" name="矩形 1">
+            <a:extLst>
+              <a:ext uri="{FF2B5EF4-FFF2-40B4-BE49-F238E27FC236}">
+                <a16:creationId xmlns:a16="http://schemas.microsoft.com/office/drawing/2014/main" id="{9F8BB752-14FB-7B2D-F336-1912EE67395C}"/>
+              </a:ext>
+            </a:extLst>
+          </p:cNvPr>
+          <p:cNvSpPr/>
+          <p:nvPr/>
+        </p:nvSpPr>
+        <p:spPr>
+          <a:xfrm>
+            <a:off x="0" y="0"/>
+            <a:ext cx="487680" cy="487680"/>
+          </a:xfrm>
+          <a:prstGeom prst="rect">
+            <a:avLst/>
+          </a:prstGeom>
+          <a:solidFill>
+            <a:schemeClr val="tx1"/>
+          </a:solidFill>
+          <a:ln>
+            <a:noFill/>
+          </a:ln>
+        </p:spPr>
+        <p:style>
+          <a:lnRef idx="2">
+            <a:schemeClr val="accent1">
+              <a:shade val="15000"/>
+            </a:schemeClr>
+          </a:lnRef>
+          <a:fillRef idx="1">
+            <a:schemeClr val="accent1"/>
+          </a:fillRef>
+          <a:effectRef idx="0">
+            <a:schemeClr val="accent1"/>
+          </a:effectRef>
+          <a:fontRef idx="minor">
+            <a:schemeClr val="lt1"/>
+          </a:fontRef>
+        </p:style>
+        <p:txBody>
+          <a:bodyPr rtlCol="0" anchor="ctr"/>
+          <a:lstStyle/>
+          <a:p>
+            <a:pPr algn="ctr"/>
+            <a:endParaRPr lang="zh-CN" altLang="en-US" dirty="0"/>
+          </a:p>
+        </p:txBody>
+      </p:sp>
+      <p:sp>
+        <p:nvSpPr>
+          <p:cNvPr id="5" name="矩形 4">
+            <a:extLst>
+              <a:ext uri="{FF2B5EF4-FFF2-40B4-BE49-F238E27FC236}">
+                <a16:creationId xmlns:a16="http://schemas.microsoft.com/office/drawing/2014/main" id="{D823FAE5-C6EF-D1E3-34AF-94659A5D18B2}"/>
+              </a:ext>
+            </a:extLst>
+          </p:cNvPr>
+          <p:cNvSpPr/>
+          <p:nvPr/>
+        </p:nvSpPr>
+        <p:spPr>
+          <a:xfrm>
+            <a:off x="121920" y="0"/>
+            <a:ext cx="365760" cy="365760"/>
+          </a:xfrm>
+          <a:prstGeom prst="rect">
+            <a:avLst/>
+          </a:prstGeom>
+          <a:solidFill>
+            <a:schemeClr val="tx1">
+              <a:lumMod val="75000"/>
+              <a:lumOff val="25000"/>
+            </a:schemeClr>
+          </a:solidFill>
+          <a:ln>
+            <a:noFill/>
+          </a:ln>
+        </p:spPr>
+        <p:style>
+          <a:lnRef idx="2">
+            <a:schemeClr val="accent1">
+              <a:shade val="15000"/>
+            </a:schemeClr>
+          </a:lnRef>
+          <a:fillRef idx="1">
+            <a:schemeClr val="accent1"/>
+          </a:fillRef>
+          <a:effectRef idx="0">
+            <a:schemeClr val="accent1"/>
+          </a:effectRef>
+          <a:fontRef idx="minor">
+            <a:schemeClr val="lt1"/>
+          </a:fontRef>
+        </p:style>
+        <p:txBody>
+          <a:bodyPr rtlCol="0" anchor="ctr"/>
+          <a:lstStyle/>
+          <a:p>
+            <a:pPr algn="ctr"/>
+            <a:endParaRPr lang="zh-CN" altLang="en-US" dirty="0"/>
+          </a:p>
+        </p:txBody>
+      </p:sp>
+      <p:sp>
+        <p:nvSpPr>
+          <p:cNvPr id="3" name="矩形 2">
+            <a:extLst>
+              <a:ext uri="{FF2B5EF4-FFF2-40B4-BE49-F238E27FC236}">
+                <a16:creationId xmlns:a16="http://schemas.microsoft.com/office/drawing/2014/main" id="{B512DA1E-A8F1-2DE1-34E0-C8AB75F8B8A7}"/>
+              </a:ext>
+            </a:extLst>
+          </p:cNvPr>
+          <p:cNvSpPr/>
+          <p:nvPr/>
+        </p:nvSpPr>
+        <p:spPr>
+          <a:xfrm>
+            <a:off x="242880" y="0"/>
+            <a:ext cx="244800" cy="243840"/>
+          </a:xfrm>
+          <a:prstGeom prst="rect">
+            <a:avLst/>
+          </a:prstGeom>
+          <a:solidFill>
+            <a:schemeClr val="tx1">
+              <a:lumMod val="50000"/>
+              <a:lumOff val="50000"/>
+            </a:schemeClr>
+          </a:solidFill>
+          <a:ln>
+            <a:noFill/>
+          </a:ln>
+        </p:spPr>
+        <p:style>
+          <a:lnRef idx="2">
+            <a:schemeClr val="accent1">
+              <a:shade val="15000"/>
+            </a:schemeClr>
+          </a:lnRef>
+          <a:fillRef idx="1">
+            <a:schemeClr val="accent1"/>
+          </a:fillRef>
+          <a:effectRef idx="0">
+            <a:schemeClr val="accent1"/>
+          </a:effectRef>
+          <a:fontRef idx="minor">
+            <a:schemeClr val="lt1"/>
+          </a:fontRef>
+        </p:style>
+        <p:txBody>
+          <a:bodyPr rtlCol="0" anchor="ctr"/>
+          <a:lstStyle/>
+          <a:p>
+            <a:pPr algn="ctr"/>
+            <a:endParaRPr lang="zh-CN" altLang="en-US" dirty="0"/>
+          </a:p>
+        </p:txBody>
+      </p:sp>
+    </p:spTree>
+    <p:extLst>
+      <p:ext uri="{BB962C8B-B14F-4D97-AF65-F5344CB8AC3E}">
+        <p14:creationId xmlns:p14="http://schemas.microsoft.com/office/powerpoint/2010/main" val="2472421861"/>
+      </p:ext>
+    </p:extLst>
+  </p:cSld>
+  <p:clrMapOvr>
+    <a:masterClrMapping/>
+  </p:clrMapOvr>
+</p:sld>
+</file>
+
+<file path=ppt/slides/slide4.xml><?xml version="1.0" encoding="utf-8"?>
+<p:sld xmlns:a="http://schemas.openxmlformats.org/drawingml/2006/main" xmlns:r="http://schemas.openxmlformats.org/officeDocument/2006/relationships" xmlns:p="http://schemas.openxmlformats.org/presentationml/2006/main">
+  <p:cSld>
+    <p:spTree>
+      <p:nvGrpSpPr>
+        <p:cNvPr id="1" name=""/>
+        <p:cNvGrpSpPr/>
+        <p:nvPr/>
+      </p:nvGrpSpPr>
+      <p:grpSpPr>
+        <a:xfrm>
+          <a:off x="0" y="0"/>
+          <a:ext cx="0" cy="0"/>
+          <a:chOff x="0" y="0"/>
+          <a:chExt cx="0" cy="0"/>
+        </a:xfrm>
+      </p:grpSpPr>
+      <p:sp>
+        <p:nvSpPr>
+          <p:cNvPr id="2" name="矩形 1">
+            <a:extLst>
+              <a:ext uri="{FF2B5EF4-FFF2-40B4-BE49-F238E27FC236}">
+                <a16:creationId xmlns:a16="http://schemas.microsoft.com/office/drawing/2014/main" id="{9F8BB752-14FB-7B2D-F336-1912EE67395C}"/>
+              </a:ext>
+            </a:extLst>
+          </p:cNvPr>
+          <p:cNvSpPr/>
+          <p:nvPr/>
+        </p:nvSpPr>
+        <p:spPr>
+          <a:xfrm>
+            <a:off x="0" y="0"/>
+            <a:ext cx="487680" cy="487680"/>
+          </a:xfrm>
+          <a:prstGeom prst="rect">
+            <a:avLst/>
+          </a:prstGeom>
+          <a:solidFill>
+            <a:schemeClr val="tx1"/>
+          </a:solidFill>
+          <a:ln>
+            <a:noFill/>
+          </a:ln>
+        </p:spPr>
+        <p:style>
+          <a:lnRef idx="2">
+            <a:schemeClr val="accent1">
+              <a:shade val="15000"/>
+            </a:schemeClr>
+          </a:lnRef>
+          <a:fillRef idx="1">
+            <a:schemeClr val="accent1"/>
+          </a:fillRef>
+          <a:effectRef idx="0">
+            <a:schemeClr val="accent1"/>
+          </a:effectRef>
+          <a:fontRef idx="minor">
+            <a:schemeClr val="lt1"/>
+          </a:fontRef>
+        </p:style>
+        <p:txBody>
+          <a:bodyPr rtlCol="0" anchor="ctr"/>
+          <a:lstStyle/>
+          <a:p>
+            <a:pPr algn="ctr"/>
+            <a:endParaRPr lang="zh-CN" altLang="en-US" dirty="0"/>
+          </a:p>
+        </p:txBody>
+      </p:sp>
+      <p:sp>
+        <p:nvSpPr>
+          <p:cNvPr id="3" name="矩形 2">
+            <a:extLst>
+              <a:ext uri="{FF2B5EF4-FFF2-40B4-BE49-F238E27FC236}">
+                <a16:creationId xmlns:a16="http://schemas.microsoft.com/office/drawing/2014/main" id="{B512DA1E-A8F1-2DE1-34E0-C8AB75F8B8A7}"/>
+              </a:ext>
+            </a:extLst>
+          </p:cNvPr>
+          <p:cNvSpPr/>
+          <p:nvPr/>
+        </p:nvSpPr>
+        <p:spPr>
+          <a:xfrm>
+            <a:off x="1489350" y="522802"/>
+            <a:ext cx="61200" cy="61200"/>
+          </a:xfrm>
+          <a:prstGeom prst="rect">
+            <a:avLst/>
+          </a:prstGeom>
+          <a:solidFill>
+            <a:schemeClr val="tx1">
+              <a:lumMod val="50000"/>
+              <a:lumOff val="50000"/>
+            </a:schemeClr>
+          </a:solidFill>
+          <a:ln>
+            <a:noFill/>
+          </a:ln>
+        </p:spPr>
+        <p:style>
+          <a:lnRef idx="2">
+            <a:schemeClr val="accent1">
+              <a:shade val="15000"/>
+            </a:schemeClr>
+          </a:lnRef>
+          <a:fillRef idx="1">
+            <a:schemeClr val="accent1"/>
+          </a:fillRef>
+          <a:effectRef idx="0">
+            <a:schemeClr val="accent1"/>
+          </a:effectRef>
+          <a:fontRef idx="minor">
+            <a:schemeClr val="lt1"/>
+          </a:fontRef>
+        </p:style>
+        <p:txBody>
+          <a:bodyPr rtlCol="0" anchor="ctr"/>
+          <a:lstStyle/>
+          <a:p>
+            <a:pPr algn="ctr"/>
+            <a:endParaRPr lang="zh-CN" altLang="en-US" dirty="0"/>
+          </a:p>
+        </p:txBody>
+      </p:sp>
+      <p:sp>
+        <p:nvSpPr>
+          <p:cNvPr id="8" name="矩形 7">
+            <a:extLst>
+              <a:ext uri="{FF2B5EF4-FFF2-40B4-BE49-F238E27FC236}">
+                <a16:creationId xmlns:a16="http://schemas.microsoft.com/office/drawing/2014/main" id="{F1328724-3C7E-9B1C-A56A-45D9F7818880}"/>
+              </a:ext>
+            </a:extLst>
+          </p:cNvPr>
+          <p:cNvSpPr/>
+          <p:nvPr/>
+        </p:nvSpPr>
+        <p:spPr>
+          <a:xfrm>
+            <a:off x="1346715" y="371715"/>
+            <a:ext cx="61200" cy="61200"/>
+          </a:xfrm>
+          <a:prstGeom prst="rect">
+            <a:avLst/>
+          </a:prstGeom>
+          <a:solidFill>
+            <a:schemeClr val="tx1">
+              <a:lumMod val="50000"/>
+              <a:lumOff val="50000"/>
+            </a:schemeClr>
+          </a:solidFill>
+          <a:ln>
+            <a:noFill/>
+          </a:ln>
+        </p:spPr>
+        <p:style>
+          <a:lnRef idx="2">
+            <a:schemeClr val="accent1">
+              <a:shade val="15000"/>
+            </a:schemeClr>
+          </a:lnRef>
+          <a:fillRef idx="1">
+            <a:schemeClr val="accent1"/>
+          </a:fillRef>
+          <a:effectRef idx="0">
+            <a:schemeClr val="accent1"/>
+          </a:effectRef>
+          <a:fontRef idx="minor">
+            <a:schemeClr val="lt1"/>
+          </a:fontRef>
+        </p:style>
+        <p:txBody>
+          <a:bodyPr rtlCol="0" anchor="ctr"/>
+          <a:lstStyle/>
+          <a:p>
+            <a:pPr algn="ctr"/>
+            <a:endParaRPr lang="zh-CN" altLang="en-US" dirty="0"/>
+          </a:p>
+        </p:txBody>
+      </p:sp>
+      <p:sp>
+        <p:nvSpPr>
+          <p:cNvPr id="9" name="矩形 8">
+            <a:extLst>
+              <a:ext uri="{FF2B5EF4-FFF2-40B4-BE49-F238E27FC236}">
+                <a16:creationId xmlns:a16="http://schemas.microsoft.com/office/drawing/2014/main" id="{378ECA84-2059-1515-715C-0D7EEDB442C8}"/>
+              </a:ext>
+            </a:extLst>
+          </p:cNvPr>
+          <p:cNvSpPr/>
+          <p:nvPr/>
+        </p:nvSpPr>
+        <p:spPr>
+          <a:xfrm>
+            <a:off x="1346715" y="431002"/>
+            <a:ext cx="61200" cy="61200"/>
+          </a:xfrm>
+          <a:prstGeom prst="rect">
+            <a:avLst/>
+          </a:prstGeom>
+          <a:solidFill>
+            <a:schemeClr val="tx1">
+              <a:lumMod val="50000"/>
+              <a:lumOff val="50000"/>
+            </a:schemeClr>
+          </a:solidFill>
+          <a:ln>
+            <a:noFill/>
+          </a:ln>
+        </p:spPr>
+        <p:style>
+          <a:lnRef idx="2">
+            <a:schemeClr val="accent1">
+              <a:shade val="15000"/>
+            </a:schemeClr>
+          </a:lnRef>
+          <a:fillRef idx="1">
+            <a:schemeClr val="accent1"/>
+          </a:fillRef>
+          <a:effectRef idx="0">
+            <a:schemeClr val="accent1"/>
+          </a:effectRef>
+          <a:fontRef idx="minor">
+            <a:schemeClr val="lt1"/>
+          </a:fontRef>
+        </p:style>
+        <p:txBody>
+          <a:bodyPr rtlCol="0" anchor="ctr"/>
+          <a:lstStyle/>
+          <a:p>
+            <a:pPr algn="ctr"/>
+            <a:endParaRPr lang="zh-CN" altLang="en-US" dirty="0"/>
+          </a:p>
+        </p:txBody>
+      </p:sp>
+      <p:sp>
+        <p:nvSpPr>
+          <p:cNvPr id="10" name="矩形 9">
+            <a:extLst>
+              <a:ext uri="{FF2B5EF4-FFF2-40B4-BE49-F238E27FC236}">
+                <a16:creationId xmlns:a16="http://schemas.microsoft.com/office/drawing/2014/main" id="{6E98979E-5E80-A003-B2DF-7E80574E5517}"/>
+              </a:ext>
+            </a:extLst>
+          </p:cNvPr>
+          <p:cNvSpPr/>
+          <p:nvPr/>
+        </p:nvSpPr>
+        <p:spPr>
+          <a:xfrm>
+            <a:off x="1285515" y="492202"/>
+            <a:ext cx="61200" cy="61200"/>
+          </a:xfrm>
+          <a:prstGeom prst="rect">
+            <a:avLst/>
+          </a:prstGeom>
+          <a:solidFill>
+            <a:schemeClr val="tx1">
+              <a:lumMod val="50000"/>
+              <a:lumOff val="50000"/>
+            </a:schemeClr>
+          </a:solidFill>
+          <a:ln>
+            <a:noFill/>
+          </a:ln>
+        </p:spPr>
+        <p:style>
+          <a:lnRef idx="2">
+            <a:schemeClr val="accent1">
+              <a:shade val="15000"/>
+            </a:schemeClr>
+          </a:lnRef>
+          <a:fillRef idx="1">
+            <a:schemeClr val="accent1"/>
+          </a:fillRef>
+          <a:effectRef idx="0">
+            <a:schemeClr val="accent1"/>
+          </a:effectRef>
+          <a:fontRef idx="minor">
+            <a:schemeClr val="lt1"/>
+          </a:fontRef>
+        </p:style>
+        <p:txBody>
+          <a:bodyPr rtlCol="0" anchor="ctr"/>
+          <a:lstStyle/>
+          <a:p>
+            <a:pPr algn="ctr"/>
+            <a:endParaRPr lang="zh-CN" altLang="en-US" dirty="0"/>
+          </a:p>
+        </p:txBody>
+      </p:sp>
+      <p:sp>
+        <p:nvSpPr>
+          <p:cNvPr id="11" name="矩形 10">
+            <a:extLst>
+              <a:ext uri="{FF2B5EF4-FFF2-40B4-BE49-F238E27FC236}">
+                <a16:creationId xmlns:a16="http://schemas.microsoft.com/office/drawing/2014/main" id="{2A2D347E-3FAE-02AF-B9B5-E52A621B13B0}"/>
+              </a:ext>
+            </a:extLst>
+          </p:cNvPr>
+          <p:cNvSpPr/>
+          <p:nvPr/>
+        </p:nvSpPr>
+        <p:spPr>
+          <a:xfrm>
+            <a:off x="1285515" y="553402"/>
+            <a:ext cx="61200" cy="61200"/>
+          </a:xfrm>
+          <a:prstGeom prst="rect">
+            <a:avLst/>
+          </a:prstGeom>
+          <a:solidFill>
+            <a:schemeClr val="tx1">
+              <a:lumMod val="50000"/>
+              <a:lumOff val="50000"/>
+            </a:schemeClr>
+          </a:solidFill>
+          <a:ln>
+            <a:noFill/>
+          </a:ln>
+        </p:spPr>
+        <p:style>
+          <a:lnRef idx="2">
+            <a:schemeClr val="accent1">
+              <a:shade val="15000"/>
+            </a:schemeClr>
+          </a:lnRef>
+          <a:fillRef idx="1">
+            <a:schemeClr val="accent1"/>
+          </a:fillRef>
+          <a:effectRef idx="0">
+            <a:schemeClr val="accent1"/>
+          </a:effectRef>
+          <a:fontRef idx="minor">
+            <a:schemeClr val="lt1"/>
+          </a:fontRef>
+        </p:style>
+        <p:txBody>
+          <a:bodyPr rtlCol="0" anchor="ctr"/>
+          <a:lstStyle/>
+          <a:p>
+            <a:pPr algn="ctr"/>
+            <a:endParaRPr lang="zh-CN" altLang="en-US" dirty="0"/>
+          </a:p>
+        </p:txBody>
+      </p:sp>
+      <p:sp>
+        <p:nvSpPr>
+          <p:cNvPr id="12" name="矩形 11">
+            <a:extLst>
+              <a:ext uri="{FF2B5EF4-FFF2-40B4-BE49-F238E27FC236}">
+                <a16:creationId xmlns:a16="http://schemas.microsoft.com/office/drawing/2014/main" id="{332C7BED-1D3E-F7BD-DFFC-E3850178C443}"/>
+              </a:ext>
+            </a:extLst>
+          </p:cNvPr>
+          <p:cNvSpPr/>
+          <p:nvPr/>
+        </p:nvSpPr>
+        <p:spPr>
+          <a:xfrm>
+            <a:off x="1346715" y="616508"/>
+            <a:ext cx="61200" cy="61200"/>
+          </a:xfrm>
+          <a:prstGeom prst="rect">
+            <a:avLst/>
+          </a:prstGeom>
+          <a:solidFill>
+            <a:schemeClr val="tx1">
+              <a:lumMod val="50000"/>
+              <a:lumOff val="50000"/>
+            </a:schemeClr>
+          </a:solidFill>
+          <a:ln>
+            <a:noFill/>
+          </a:ln>
+        </p:spPr>
+        <p:style>
+          <a:lnRef idx="2">
+            <a:schemeClr val="accent1">
+              <a:shade val="15000"/>
+            </a:schemeClr>
+          </a:lnRef>
+          <a:fillRef idx="1">
+            <a:schemeClr val="accent1"/>
+          </a:fillRef>
+          <a:effectRef idx="0">
+            <a:schemeClr val="accent1"/>
+          </a:effectRef>
+          <a:fontRef idx="minor">
+            <a:schemeClr val="lt1"/>
+          </a:fontRef>
+        </p:style>
+        <p:txBody>
+          <a:bodyPr rtlCol="0" anchor="ctr"/>
+          <a:lstStyle/>
+          <a:p>
+            <a:pPr algn="ctr"/>
+            <a:endParaRPr lang="zh-CN" altLang="en-US" dirty="0"/>
+          </a:p>
+        </p:txBody>
+      </p:sp>
+      <p:sp>
+        <p:nvSpPr>
+          <p:cNvPr id="13" name="矩形 12">
+            <a:extLst>
+              <a:ext uri="{FF2B5EF4-FFF2-40B4-BE49-F238E27FC236}">
+                <a16:creationId xmlns:a16="http://schemas.microsoft.com/office/drawing/2014/main" id="{D5F0253F-EB77-D673-11D4-31934FAE640A}"/>
+              </a:ext>
+            </a:extLst>
+          </p:cNvPr>
+          <p:cNvSpPr/>
+          <p:nvPr/>
+        </p:nvSpPr>
+        <p:spPr>
+          <a:xfrm>
+            <a:off x="1346715" y="677708"/>
+            <a:ext cx="61200" cy="61200"/>
+          </a:xfrm>
+          <a:prstGeom prst="rect">
+            <a:avLst/>
+          </a:prstGeom>
+          <a:solidFill>
+            <a:schemeClr val="tx1">
+              <a:lumMod val="50000"/>
+              <a:lumOff val="50000"/>
+            </a:schemeClr>
+          </a:solidFill>
+          <a:ln>
+            <a:noFill/>
+          </a:ln>
+        </p:spPr>
+        <p:style>
+          <a:lnRef idx="2">
+            <a:schemeClr val="accent1">
+              <a:shade val="15000"/>
+            </a:schemeClr>
+          </a:lnRef>
+          <a:fillRef idx="1">
+            <a:schemeClr val="accent1"/>
+          </a:fillRef>
+          <a:effectRef idx="0">
+            <a:schemeClr val="accent1"/>
+          </a:effectRef>
+          <a:fontRef idx="minor">
+            <a:schemeClr val="lt1"/>
+          </a:fontRef>
+        </p:style>
+        <p:txBody>
+          <a:bodyPr rtlCol="0" anchor="ctr"/>
+          <a:lstStyle/>
+          <a:p>
+            <a:pPr algn="ctr"/>
+            <a:endParaRPr lang="zh-CN" altLang="en-US" dirty="0"/>
+          </a:p>
+        </p:txBody>
+      </p:sp>
+      <p:sp>
+        <p:nvSpPr>
+          <p:cNvPr id="14" name="矩形 13">
+            <a:extLst>
+              <a:ext uri="{FF2B5EF4-FFF2-40B4-BE49-F238E27FC236}">
+                <a16:creationId xmlns:a16="http://schemas.microsoft.com/office/drawing/2014/main" id="{0981A5AF-D75D-7471-67D8-2DDE62799870}"/>
+              </a:ext>
+            </a:extLst>
+          </p:cNvPr>
+          <p:cNvSpPr/>
+          <p:nvPr/>
+        </p:nvSpPr>
+        <p:spPr>
+          <a:xfrm>
+            <a:off x="1285515" y="737948"/>
+            <a:ext cx="61200" cy="61200"/>
+          </a:xfrm>
+          <a:prstGeom prst="rect">
+            <a:avLst/>
+          </a:prstGeom>
+          <a:solidFill>
+            <a:schemeClr val="tx1">
+              <a:lumMod val="50000"/>
+              <a:lumOff val="50000"/>
+            </a:schemeClr>
+          </a:solidFill>
+          <a:ln>
+            <a:noFill/>
+          </a:ln>
+        </p:spPr>
+        <p:style>
+          <a:lnRef idx="2">
+            <a:schemeClr val="accent1">
+              <a:shade val="15000"/>
+            </a:schemeClr>
+          </a:lnRef>
+          <a:fillRef idx="1">
+            <a:schemeClr val="accent1"/>
+          </a:fillRef>
+          <a:effectRef idx="0">
+            <a:schemeClr val="accent1"/>
+          </a:effectRef>
+          <a:fontRef idx="minor">
+            <a:schemeClr val="lt1"/>
+          </a:fontRef>
+        </p:style>
+        <p:txBody>
+          <a:bodyPr rtlCol="0" anchor="ctr"/>
+          <a:lstStyle/>
+          <a:p>
+            <a:pPr algn="ctr"/>
+            <a:endParaRPr lang="zh-CN" altLang="en-US" dirty="0"/>
+          </a:p>
+        </p:txBody>
+      </p:sp>
+      <p:sp>
+        <p:nvSpPr>
+          <p:cNvPr id="15" name="矩形 14">
+            <a:extLst>
+              <a:ext uri="{FF2B5EF4-FFF2-40B4-BE49-F238E27FC236}">
+                <a16:creationId xmlns:a16="http://schemas.microsoft.com/office/drawing/2014/main" id="{C448B362-08F0-1EFE-7924-D95910CE5E81}"/>
+              </a:ext>
+            </a:extLst>
+          </p:cNvPr>
+          <p:cNvSpPr/>
+          <p:nvPr/>
+        </p:nvSpPr>
+        <p:spPr>
+          <a:xfrm>
+            <a:off x="71790" y="61319"/>
+            <a:ext cx="122400" cy="122400"/>
+          </a:xfrm>
+          <a:prstGeom prst="rect">
+            <a:avLst/>
+          </a:prstGeom>
+          <a:solidFill>
+            <a:schemeClr val="tx1">
+              <a:lumMod val="50000"/>
+              <a:lumOff val="50000"/>
+            </a:schemeClr>
+          </a:solidFill>
+          <a:ln>
+            <a:noFill/>
+          </a:ln>
+        </p:spPr>
+        <p:style>
+          <a:lnRef idx="2">
+            <a:schemeClr val="accent1">
+              <a:shade val="15000"/>
+            </a:schemeClr>
+          </a:lnRef>
+          <a:fillRef idx="1">
+            <a:schemeClr val="accent1"/>
+          </a:fillRef>
+          <a:effectRef idx="0">
+            <a:schemeClr val="accent1"/>
+          </a:effectRef>
+          <a:fontRef idx="minor">
+            <a:schemeClr val="lt1"/>
+          </a:fontRef>
+        </p:style>
+        <p:txBody>
+          <a:bodyPr rtlCol="0" anchor="ctr"/>
+          <a:lstStyle/>
+          <a:p>
+            <a:pPr algn="ctr"/>
+            <a:endParaRPr lang="zh-CN" altLang="en-US" dirty="0"/>
+          </a:p>
+        </p:txBody>
+      </p:sp>
+      <p:sp>
+        <p:nvSpPr>
+          <p:cNvPr id="19" name="矩形 18">
+            <a:extLst>
+              <a:ext uri="{FF2B5EF4-FFF2-40B4-BE49-F238E27FC236}">
+                <a16:creationId xmlns:a16="http://schemas.microsoft.com/office/drawing/2014/main" id="{47FDBAA9-6092-B696-5E3F-3532CE8BFBDE}"/>
+              </a:ext>
+            </a:extLst>
+          </p:cNvPr>
+          <p:cNvSpPr/>
+          <p:nvPr/>
+        </p:nvSpPr>
+        <p:spPr>
+          <a:xfrm>
+            <a:off x="71790" y="279915"/>
+            <a:ext cx="122400" cy="122400"/>
+          </a:xfrm>
+          <a:prstGeom prst="rect">
+            <a:avLst/>
+          </a:prstGeom>
+          <a:solidFill>
+            <a:schemeClr val="tx1">
+              <a:lumMod val="50000"/>
+              <a:lumOff val="50000"/>
+            </a:schemeClr>
+          </a:solidFill>
+          <a:ln>
+            <a:noFill/>
+          </a:ln>
+        </p:spPr>
+        <p:style>
+          <a:lnRef idx="2">
+            <a:schemeClr val="accent1">
+              <a:shade val="15000"/>
+            </a:schemeClr>
+          </a:lnRef>
+          <a:fillRef idx="1">
+            <a:schemeClr val="accent1"/>
+          </a:fillRef>
+          <a:effectRef idx="0">
+            <a:schemeClr val="accent1"/>
+          </a:effectRef>
+          <a:fontRef idx="minor">
+            <a:schemeClr val="lt1"/>
+          </a:fontRef>
+        </p:style>
+        <p:txBody>
+          <a:bodyPr rtlCol="0" anchor="ctr"/>
+          <a:lstStyle/>
+          <a:p>
+            <a:pPr algn="ctr"/>
+            <a:endParaRPr lang="zh-CN" altLang="en-US" dirty="0"/>
+          </a:p>
+        </p:txBody>
+      </p:sp>
+    </p:spTree>
+    <p:extLst>
+      <p:ext uri="{BB962C8B-B14F-4D97-AF65-F5344CB8AC3E}">
+        <p14:creationId xmlns:p14="http://schemas.microsoft.com/office/powerpoint/2010/main" val="4238334179"/>
       </p:ext>
     </p:extLst>
   </p:cSld>

--- a/base/static/imgs/logo.pptx
+++ b/base/static/imgs/logo.pptx
@@ -8,7 +8,8 @@
     <p:sldId id="256" r:id="rId2"/>
     <p:sldId id="257" r:id="rId3"/>
     <p:sldId id="258" r:id="rId4"/>
-    <p:sldId id="259" r:id="rId5"/>
+    <p:sldId id="260" r:id="rId5"/>
+    <p:sldId id="259" r:id="rId6"/>
   </p:sldIdLst>
   <p:sldSz cx="12192000" cy="6858000"/>
   <p:notesSz cx="6858000" cy="9144000"/>
@@ -262,7 +263,7 @@
           <a:p>
             <a:fld id="{9C042EA8-B778-4889-A57F-F4B58990052D}" type="datetimeFigureOut">
               <a:rPr lang="zh-CN" altLang="en-US" smtClean="0"/>
-              <a:t>2023-08-12</a:t>
+              <a:t>2023-12-13</a:t>
             </a:fld>
             <a:endParaRPr lang="zh-CN" altLang="en-US"/>
           </a:p>
@@ -476,7 +477,7 @@
           <a:p>
             <a:fld id="{9C042EA8-B778-4889-A57F-F4B58990052D}" type="datetimeFigureOut">
               <a:rPr lang="zh-CN" altLang="en-US" smtClean="0"/>
-              <a:t>2023-08-12</a:t>
+              <a:t>2023-12-13</a:t>
             </a:fld>
             <a:endParaRPr lang="zh-CN" altLang="en-US"/>
           </a:p>
@@ -684,7 +685,7 @@
           <a:p>
             <a:fld id="{9C042EA8-B778-4889-A57F-F4B58990052D}" type="datetimeFigureOut">
               <a:rPr lang="zh-CN" altLang="en-US" smtClean="0"/>
-              <a:t>2023-08-12</a:t>
+              <a:t>2023-12-13</a:t>
             </a:fld>
             <a:endParaRPr lang="zh-CN" altLang="en-US"/>
           </a:p>
@@ -882,7 +883,7 @@
           <a:p>
             <a:fld id="{9C042EA8-B778-4889-A57F-F4B58990052D}" type="datetimeFigureOut">
               <a:rPr lang="zh-CN" altLang="en-US" smtClean="0"/>
-              <a:t>2023-08-12</a:t>
+              <a:t>2023-12-13</a:t>
             </a:fld>
             <a:endParaRPr lang="zh-CN" altLang="en-US"/>
           </a:p>
@@ -1157,7 +1158,7 @@
           <a:p>
             <a:fld id="{9C042EA8-B778-4889-A57F-F4B58990052D}" type="datetimeFigureOut">
               <a:rPr lang="zh-CN" altLang="en-US" smtClean="0"/>
-              <a:t>2023-08-12</a:t>
+              <a:t>2023-12-13</a:t>
             </a:fld>
             <a:endParaRPr lang="zh-CN" altLang="en-US"/>
           </a:p>
@@ -1422,7 +1423,7 @@
           <a:p>
             <a:fld id="{9C042EA8-B778-4889-A57F-F4B58990052D}" type="datetimeFigureOut">
               <a:rPr lang="zh-CN" altLang="en-US" smtClean="0"/>
-              <a:t>2023-08-12</a:t>
+              <a:t>2023-12-13</a:t>
             </a:fld>
             <a:endParaRPr lang="zh-CN" altLang="en-US"/>
           </a:p>
@@ -1834,7 +1835,7 @@
           <a:p>
             <a:fld id="{9C042EA8-B778-4889-A57F-F4B58990052D}" type="datetimeFigureOut">
               <a:rPr lang="zh-CN" altLang="en-US" smtClean="0"/>
-              <a:t>2023-08-12</a:t>
+              <a:t>2023-12-13</a:t>
             </a:fld>
             <a:endParaRPr lang="zh-CN" altLang="en-US"/>
           </a:p>
@@ -1975,7 +1976,7 @@
           <a:p>
             <a:fld id="{9C042EA8-B778-4889-A57F-F4B58990052D}" type="datetimeFigureOut">
               <a:rPr lang="zh-CN" altLang="en-US" smtClean="0"/>
-              <a:t>2023-08-12</a:t>
+              <a:t>2023-12-13</a:t>
             </a:fld>
             <a:endParaRPr lang="zh-CN" altLang="en-US"/>
           </a:p>
@@ -2088,7 +2089,7 @@
           <a:p>
             <a:fld id="{9C042EA8-B778-4889-A57F-F4B58990052D}" type="datetimeFigureOut">
               <a:rPr lang="zh-CN" altLang="en-US" smtClean="0"/>
-              <a:t>2023-08-12</a:t>
+              <a:t>2023-12-13</a:t>
             </a:fld>
             <a:endParaRPr lang="zh-CN" altLang="en-US"/>
           </a:p>
@@ -2399,7 +2400,7 @@
           <a:p>
             <a:fld id="{9C042EA8-B778-4889-A57F-F4B58990052D}" type="datetimeFigureOut">
               <a:rPr lang="zh-CN" altLang="en-US" smtClean="0"/>
-              <a:t>2023-08-12</a:t>
+              <a:t>2023-12-13</a:t>
             </a:fld>
             <a:endParaRPr lang="zh-CN" altLang="en-US"/>
           </a:p>
@@ -2687,7 +2688,7 @@
           <a:p>
             <a:fld id="{9C042EA8-B778-4889-A57F-F4B58990052D}" type="datetimeFigureOut">
               <a:rPr lang="zh-CN" altLang="en-US" smtClean="0"/>
-              <a:t>2023-08-12</a:t>
+              <a:t>2023-12-13</a:t>
             </a:fld>
             <a:endParaRPr lang="zh-CN" altLang="en-US"/>
           </a:p>
@@ -2928,7 +2929,7 @@
           <a:p>
             <a:fld id="{9C042EA8-B778-4889-A57F-F4B58990052D}" type="datetimeFigureOut">
               <a:rPr lang="zh-CN" altLang="en-US" smtClean="0"/>
-              <a:t>2023-08-12</a:t>
+              <a:t>2023-12-13</a:t>
             </a:fld>
             <a:endParaRPr lang="zh-CN" altLang="en-US"/>
           </a:p>
@@ -3734,6 +3735,192 @@
             <a:avLst/>
           </a:prstGeom>
           <a:solidFill>
+            <a:srgbClr val="E74032"/>
+          </a:solidFill>
+          <a:ln>
+            <a:noFill/>
+          </a:ln>
+        </p:spPr>
+        <p:style>
+          <a:lnRef idx="2">
+            <a:schemeClr val="accent1">
+              <a:shade val="15000"/>
+            </a:schemeClr>
+          </a:lnRef>
+          <a:fillRef idx="1">
+            <a:schemeClr val="accent1"/>
+          </a:fillRef>
+          <a:effectRef idx="0">
+            <a:schemeClr val="accent1"/>
+          </a:effectRef>
+          <a:fontRef idx="minor">
+            <a:schemeClr val="lt1"/>
+          </a:fontRef>
+        </p:style>
+        <p:txBody>
+          <a:bodyPr rtlCol="0" anchor="ctr"/>
+          <a:lstStyle/>
+          <a:p>
+            <a:pPr algn="ctr"/>
+            <a:endParaRPr lang="zh-CN" altLang="en-US" dirty="0"/>
+          </a:p>
+        </p:txBody>
+      </p:sp>
+      <p:sp>
+        <p:nvSpPr>
+          <p:cNvPr id="5" name="矩形 4">
+            <a:extLst>
+              <a:ext uri="{FF2B5EF4-FFF2-40B4-BE49-F238E27FC236}">
+                <a16:creationId xmlns:a16="http://schemas.microsoft.com/office/drawing/2014/main" id="{D823FAE5-C6EF-D1E3-34AF-94659A5D18B2}"/>
+              </a:ext>
+            </a:extLst>
+          </p:cNvPr>
+          <p:cNvSpPr/>
+          <p:nvPr/>
+        </p:nvSpPr>
+        <p:spPr>
+          <a:xfrm>
+            <a:off x="121920" y="0"/>
+            <a:ext cx="365760" cy="365760"/>
+          </a:xfrm>
+          <a:prstGeom prst="rect">
+            <a:avLst/>
+          </a:prstGeom>
+          <a:solidFill>
+            <a:srgbClr val="00FF00"/>
+          </a:solidFill>
+          <a:ln>
+            <a:noFill/>
+          </a:ln>
+        </p:spPr>
+        <p:style>
+          <a:lnRef idx="2">
+            <a:schemeClr val="accent1">
+              <a:shade val="15000"/>
+            </a:schemeClr>
+          </a:lnRef>
+          <a:fillRef idx="1">
+            <a:schemeClr val="accent1"/>
+          </a:fillRef>
+          <a:effectRef idx="0">
+            <a:schemeClr val="accent1"/>
+          </a:effectRef>
+          <a:fontRef idx="minor">
+            <a:schemeClr val="lt1"/>
+          </a:fontRef>
+        </p:style>
+        <p:txBody>
+          <a:bodyPr rtlCol="0" anchor="ctr"/>
+          <a:lstStyle/>
+          <a:p>
+            <a:pPr algn="ctr"/>
+            <a:endParaRPr lang="zh-CN" altLang="en-US" dirty="0"/>
+          </a:p>
+        </p:txBody>
+      </p:sp>
+      <p:sp>
+        <p:nvSpPr>
+          <p:cNvPr id="3" name="矩形 2">
+            <a:extLst>
+              <a:ext uri="{FF2B5EF4-FFF2-40B4-BE49-F238E27FC236}">
+                <a16:creationId xmlns:a16="http://schemas.microsoft.com/office/drawing/2014/main" id="{B512DA1E-A8F1-2DE1-34E0-C8AB75F8B8A7}"/>
+              </a:ext>
+            </a:extLst>
+          </p:cNvPr>
+          <p:cNvSpPr/>
+          <p:nvPr/>
+        </p:nvSpPr>
+        <p:spPr>
+          <a:xfrm>
+            <a:off x="242880" y="0"/>
+            <a:ext cx="244800" cy="243840"/>
+          </a:xfrm>
+          <a:prstGeom prst="rect">
+            <a:avLst/>
+          </a:prstGeom>
+          <a:solidFill>
+            <a:srgbClr val="307DEF"/>
+          </a:solidFill>
+          <a:ln>
+            <a:noFill/>
+          </a:ln>
+        </p:spPr>
+        <p:style>
+          <a:lnRef idx="2">
+            <a:schemeClr val="accent1">
+              <a:shade val="15000"/>
+            </a:schemeClr>
+          </a:lnRef>
+          <a:fillRef idx="1">
+            <a:schemeClr val="accent1"/>
+          </a:fillRef>
+          <a:effectRef idx="0">
+            <a:schemeClr val="accent1"/>
+          </a:effectRef>
+          <a:fontRef idx="minor">
+            <a:schemeClr val="lt1"/>
+          </a:fontRef>
+        </p:style>
+        <p:txBody>
+          <a:bodyPr rtlCol="0" anchor="ctr"/>
+          <a:lstStyle/>
+          <a:p>
+            <a:pPr algn="ctr"/>
+            <a:endParaRPr lang="zh-CN" altLang="en-US" dirty="0"/>
+          </a:p>
+        </p:txBody>
+      </p:sp>
+    </p:spTree>
+    <p:extLst>
+      <p:ext uri="{BB962C8B-B14F-4D97-AF65-F5344CB8AC3E}">
+        <p14:creationId xmlns:p14="http://schemas.microsoft.com/office/powerpoint/2010/main" val="1700827757"/>
+      </p:ext>
+    </p:extLst>
+  </p:cSld>
+  <p:clrMapOvr>
+    <a:masterClrMapping/>
+  </p:clrMapOvr>
+</p:sld>
+</file>
+
+<file path=ppt/slides/slide5.xml><?xml version="1.0" encoding="utf-8"?>
+<p:sld xmlns:a="http://schemas.openxmlformats.org/drawingml/2006/main" xmlns:r="http://schemas.openxmlformats.org/officeDocument/2006/relationships" xmlns:p="http://schemas.openxmlformats.org/presentationml/2006/main">
+  <p:cSld>
+    <p:spTree>
+      <p:nvGrpSpPr>
+        <p:cNvPr id="1" name=""/>
+        <p:cNvGrpSpPr/>
+        <p:nvPr/>
+      </p:nvGrpSpPr>
+      <p:grpSpPr>
+        <a:xfrm>
+          <a:off x="0" y="0"/>
+          <a:ext cx="0" cy="0"/>
+          <a:chOff x="0" y="0"/>
+          <a:chExt cx="0" cy="0"/>
+        </a:xfrm>
+      </p:grpSpPr>
+      <p:sp>
+        <p:nvSpPr>
+          <p:cNvPr id="2" name="矩形 1">
+            <a:extLst>
+              <a:ext uri="{FF2B5EF4-FFF2-40B4-BE49-F238E27FC236}">
+                <a16:creationId xmlns:a16="http://schemas.microsoft.com/office/drawing/2014/main" id="{9F8BB752-14FB-7B2D-F336-1912EE67395C}"/>
+              </a:ext>
+            </a:extLst>
+          </p:cNvPr>
+          <p:cNvSpPr/>
+          <p:nvPr/>
+        </p:nvSpPr>
+        <p:spPr>
+          <a:xfrm>
+            <a:off x="0" y="0"/>
+            <a:ext cx="487680" cy="487680"/>
+          </a:xfrm>
+          <a:prstGeom prst="rect">
+            <a:avLst/>
+          </a:prstGeom>
+          <a:solidFill>
             <a:schemeClr val="tx1"/>
           </a:solidFill>
           <a:ln>
